--- a/images/img.pptx
+++ b/images/img.pptx
@@ -7,6 +7,7 @@
   <p:sldIdLst>
     <p:sldId id="256" r:id="rId2"/>
     <p:sldId id="257" r:id="rId3"/>
+    <p:sldId id="258" r:id="rId4"/>
   </p:sldIdLst>
   <p:sldSz cx="12192000" cy="6858000"/>
   <p:notesSz cx="6858000" cy="9144000"/>
@@ -262,7 +263,7 @@
           <a:p>
             <a:fld id="{F4D57BDD-E64A-4D27-8978-82FFCA18A12C}" type="datetimeFigureOut">
               <a:rPr lang="en-US" smtClean="0"/>
-              <a:t>11/28/2020</a:t>
+              <a:t>11/29/2020</a:t>
             </a:fld>
             <a:endParaRPr lang="en-US"/>
           </a:p>
@@ -471,7 +472,7 @@
           <a:p>
             <a:fld id="{F4D57BDD-E64A-4D27-8978-82FFCA18A12C}" type="datetimeFigureOut">
               <a:rPr lang="en-US" smtClean="0"/>
-              <a:t>11/28/2020</a:t>
+              <a:t>11/29/2020</a:t>
             </a:fld>
             <a:endParaRPr lang="en-US"/>
           </a:p>
@@ -679,7 +680,7 @@
           <a:p>
             <a:fld id="{F4D57BDD-E64A-4D27-8978-82FFCA18A12C}" type="datetimeFigureOut">
               <a:rPr lang="en-US" smtClean="0"/>
-              <a:t>11/28/2020</a:t>
+              <a:t>11/29/2020</a:t>
             </a:fld>
             <a:endParaRPr lang="en-US"/>
           </a:p>
@@ -877,7 +878,7 @@
           <a:p>
             <a:fld id="{F4D57BDD-E64A-4D27-8978-82FFCA18A12C}" type="datetimeFigureOut">
               <a:rPr lang="en-US" smtClean="0"/>
-              <a:t>11/28/2020</a:t>
+              <a:t>11/29/2020</a:t>
             </a:fld>
             <a:endParaRPr lang="en-US"/>
           </a:p>
@@ -1153,7 +1154,7 @@
           <a:p>
             <a:fld id="{F4D57BDD-E64A-4D27-8978-82FFCA18A12C}" type="datetimeFigureOut">
               <a:rPr lang="en-US" smtClean="0"/>
-              <a:t>11/28/2020</a:t>
+              <a:t>11/29/2020</a:t>
             </a:fld>
             <a:endParaRPr lang="en-US"/>
           </a:p>
@@ -1425,7 +1426,7 @@
           <a:p>
             <a:fld id="{F4D57BDD-E64A-4D27-8978-82FFCA18A12C}" type="datetimeFigureOut">
               <a:rPr lang="en-US" smtClean="0"/>
-              <a:t>11/28/2020</a:t>
+              <a:t>11/29/2020</a:t>
             </a:fld>
             <a:endParaRPr lang="en-US"/>
           </a:p>
@@ -1839,7 +1840,7 @@
           <a:p>
             <a:fld id="{F4D57BDD-E64A-4D27-8978-82FFCA18A12C}" type="datetimeFigureOut">
               <a:rPr lang="en-US" smtClean="0"/>
-              <a:t>11/28/2020</a:t>
+              <a:t>11/29/2020</a:t>
             </a:fld>
             <a:endParaRPr lang="en-US"/>
           </a:p>
@@ -1986,7 +1987,7 @@
           <a:p>
             <a:fld id="{F4D57BDD-E64A-4D27-8978-82FFCA18A12C}" type="datetimeFigureOut">
               <a:rPr lang="en-US" smtClean="0"/>
-              <a:t>11/28/2020</a:t>
+              <a:t>11/29/2020</a:t>
             </a:fld>
             <a:endParaRPr lang="en-US"/>
           </a:p>
@@ -2099,7 +2100,7 @@
           <a:p>
             <a:fld id="{F4D57BDD-E64A-4D27-8978-82FFCA18A12C}" type="datetimeFigureOut">
               <a:rPr lang="en-US" smtClean="0"/>
-              <a:t>11/28/2020</a:t>
+              <a:t>11/29/2020</a:t>
             </a:fld>
             <a:endParaRPr lang="en-US"/>
           </a:p>
@@ -2411,7 +2412,7 @@
           <a:p>
             <a:fld id="{F4D57BDD-E64A-4D27-8978-82FFCA18A12C}" type="datetimeFigureOut">
               <a:rPr lang="en-US" smtClean="0"/>
-              <a:t>11/28/2020</a:t>
+              <a:t>11/29/2020</a:t>
             </a:fld>
             <a:endParaRPr lang="en-US"/>
           </a:p>
@@ -2702,7 +2703,7 @@
           <a:p>
             <a:fld id="{F4D57BDD-E64A-4D27-8978-82FFCA18A12C}" type="datetimeFigureOut">
               <a:rPr lang="en-US" smtClean="0"/>
-              <a:t>11/28/2020</a:t>
+              <a:t>11/29/2020</a:t>
             </a:fld>
             <a:endParaRPr lang="en-US"/>
           </a:p>
@@ -2944,7 +2945,7 @@
             <a:fld id="{F4D57BDD-E64A-4D27-8978-82FFCA18A12C}" type="datetimeFigureOut">
               <a:rPr lang="en-US" smtClean="0"/>
               <a:pPr/>
-              <a:t>11/28/2020</a:t>
+              <a:t>11/29/2020</a:t>
             </a:fld>
             <a:endParaRPr lang="en-US" dirty="0"/>
           </a:p>
@@ -4103,6 +4104,722 @@
 </p:sld>
 </file>
 
+<file path=ppt/slides/slide3.xml><?xml version="1.0" encoding="utf-8"?>
+<p:sld xmlns:a="http://schemas.openxmlformats.org/drawingml/2006/main" xmlns:r="http://schemas.openxmlformats.org/officeDocument/2006/relationships" xmlns:p="http://schemas.openxmlformats.org/presentationml/2006/main">
+  <p:cSld>
+    <p:bg>
+      <p:bgPr>
+        <a:solidFill>
+          <a:srgbClr val="1565A2"/>
+        </a:solidFill>
+        <a:effectLst/>
+      </p:bgPr>
+    </p:bg>
+    <p:spTree>
+      <p:nvGrpSpPr>
+        <p:cNvPr id="1" name=""/>
+        <p:cNvGrpSpPr/>
+        <p:nvPr/>
+      </p:nvGrpSpPr>
+      <p:grpSpPr>
+        <a:xfrm>
+          <a:off x="0" y="0"/>
+          <a:ext cx="0" cy="0"/>
+          <a:chOff x="0" y="0"/>
+          <a:chExt cx="0" cy="0"/>
+        </a:xfrm>
+      </p:grpSpPr>
+      <p:sp>
+        <p:nvSpPr>
+          <p:cNvPr id="16" name="직사각형 15">
+            <a:extLst>
+              <a:ext uri="{FF2B5EF4-FFF2-40B4-BE49-F238E27FC236}">
+                <a16:creationId xmlns:a16="http://schemas.microsoft.com/office/drawing/2014/main" id="{B23F7135-1290-4E0F-83AE-0FB7042F9601}"/>
+              </a:ext>
+            </a:extLst>
+          </p:cNvPr>
+          <p:cNvSpPr/>
+          <p:nvPr/>
+        </p:nvSpPr>
+        <p:spPr>
+          <a:xfrm>
+            <a:off x="74881" y="3912021"/>
+            <a:ext cx="2071261" cy="2945979"/>
+          </a:xfrm>
+          <a:prstGeom prst="rect">
+            <a:avLst/>
+          </a:prstGeom>
+          <a:solidFill>
+            <a:srgbClr val="1466A2"/>
+          </a:solidFill>
+          <a:ln>
+            <a:noFill/>
+          </a:ln>
+        </p:spPr>
+        <p:style>
+          <a:lnRef idx="2">
+            <a:schemeClr val="accent1">
+              <a:shade val="50000"/>
+            </a:schemeClr>
+          </a:lnRef>
+          <a:fillRef idx="1">
+            <a:schemeClr val="accent1"/>
+          </a:fillRef>
+          <a:effectRef idx="0">
+            <a:schemeClr val="accent1"/>
+          </a:effectRef>
+          <a:fontRef idx="minor">
+            <a:schemeClr val="lt1"/>
+          </a:fontRef>
+        </p:style>
+        <p:txBody>
+          <a:bodyPr rtlCol="0" anchor="ctr"/>
+          <a:lstStyle/>
+          <a:p>
+            <a:pPr algn="ctr"/>
+            <a:endParaRPr lang="ko-KR" altLang="en-US"/>
+          </a:p>
+        </p:txBody>
+      </p:sp>
+      <p:sp>
+        <p:nvSpPr>
+          <p:cNvPr id="15" name="직사각형 14">
+            <a:extLst>
+              <a:ext uri="{FF2B5EF4-FFF2-40B4-BE49-F238E27FC236}">
+                <a16:creationId xmlns:a16="http://schemas.microsoft.com/office/drawing/2014/main" id="{13CA0B78-D2EB-4A9D-B952-7068ADAC7377}"/>
+              </a:ext>
+            </a:extLst>
+          </p:cNvPr>
+          <p:cNvSpPr/>
+          <p:nvPr/>
+        </p:nvSpPr>
+        <p:spPr>
+          <a:xfrm>
+            <a:off x="10120739" y="13340"/>
+            <a:ext cx="2071261" cy="6858000"/>
+          </a:xfrm>
+          <a:prstGeom prst="rect">
+            <a:avLst/>
+          </a:prstGeom>
+          <a:solidFill>
+            <a:srgbClr val="1466A2"/>
+          </a:solidFill>
+          <a:ln>
+            <a:noFill/>
+          </a:ln>
+        </p:spPr>
+        <p:style>
+          <a:lnRef idx="2">
+            <a:schemeClr val="accent1">
+              <a:shade val="50000"/>
+            </a:schemeClr>
+          </a:lnRef>
+          <a:fillRef idx="1">
+            <a:schemeClr val="accent1"/>
+          </a:fillRef>
+          <a:effectRef idx="0">
+            <a:schemeClr val="accent1"/>
+          </a:effectRef>
+          <a:fontRef idx="minor">
+            <a:schemeClr val="lt1"/>
+          </a:fontRef>
+        </p:style>
+        <p:txBody>
+          <a:bodyPr rtlCol="0" anchor="ctr"/>
+          <a:lstStyle/>
+          <a:p>
+            <a:pPr algn="ctr"/>
+            <a:endParaRPr lang="ko-KR" altLang="en-US"/>
+          </a:p>
+        </p:txBody>
+      </p:sp>
+      <p:pic>
+        <p:nvPicPr>
+          <p:cNvPr id="4" name="그림 3">
+            <a:extLst>
+              <a:ext uri="{FF2B5EF4-FFF2-40B4-BE49-F238E27FC236}">
+                <a16:creationId xmlns:a16="http://schemas.microsoft.com/office/drawing/2014/main" id="{57FB4BEA-16E6-4BC0-915F-84AB3A329183}"/>
+              </a:ext>
+            </a:extLst>
+          </p:cNvPr>
+          <p:cNvPicPr>
+            <a:picLocks noChangeAspect="1"/>
+          </p:cNvPicPr>
+          <p:nvPr/>
+        </p:nvPicPr>
+        <p:blipFill>
+          <a:blip r:embed="rId2">
+            <a:extLst>
+              <a:ext uri="{28A0092B-C50C-407E-A947-70E740481C1C}">
+                <a14:useLocalDpi xmlns:a14="http://schemas.microsoft.com/office/drawing/2010/main" val="0"/>
+              </a:ext>
+            </a:extLst>
+          </a:blip>
+          <a:stretch>
+            <a:fillRect/>
+          </a:stretch>
+        </p:blipFill>
+        <p:spPr>
+          <a:xfrm>
+            <a:off x="1521339" y="0"/>
+            <a:ext cx="9052560" cy="6858000"/>
+          </a:xfrm>
+          <a:prstGeom prst="rect">
+            <a:avLst/>
+          </a:prstGeom>
+        </p:spPr>
+      </p:pic>
+      <p:sp>
+        <p:nvSpPr>
+          <p:cNvPr id="5" name="TextBox 4">
+            <a:extLst>
+              <a:ext uri="{FF2B5EF4-FFF2-40B4-BE49-F238E27FC236}">
+                <a16:creationId xmlns:a16="http://schemas.microsoft.com/office/drawing/2014/main" id="{12CC42B9-82F8-4D02-BBEA-BDE0070358E4}"/>
+              </a:ext>
+            </a:extLst>
+          </p:cNvPr>
+          <p:cNvSpPr txBox="1"/>
+          <p:nvPr/>
+        </p:nvSpPr>
+        <p:spPr>
+          <a:xfrm rot="1200000">
+            <a:off x="3816214" y="1201261"/>
+            <a:ext cx="1446709" cy="830997"/>
+          </a:xfrm>
+          <a:prstGeom prst="rect">
+            <a:avLst/>
+          </a:prstGeom>
+          <a:noFill/>
+        </p:spPr>
+        <p:txBody>
+          <a:bodyPr wrap="square" rtlCol="0">
+            <a:spAutoFit/>
+          </a:bodyPr>
+          <a:lstStyle/>
+          <a:p>
+            <a:r>
+              <a:rPr lang="ko-KR" altLang="en-US" sz="2400">
+                <a:solidFill>
+                  <a:srgbClr val="E7E6EB"/>
+                </a:solidFill>
+                <a:latin typeface="여기어때 잘난체 OTF" panose="020B0600000101010101" pitchFamily="34" charset="-127"/>
+                <a:ea typeface="여기어때 잘난체 OTF" panose="020B0600000101010101" pitchFamily="34" charset="-127"/>
+              </a:rPr>
+              <a:t>용감한</a:t>
+            </a:r>
+            <a:endParaRPr lang="en-US" altLang="ko-KR" sz="2400">
+              <a:solidFill>
+                <a:srgbClr val="E7E6EB"/>
+              </a:solidFill>
+              <a:latin typeface="여기어때 잘난체 OTF" panose="020B0600000101010101" pitchFamily="34" charset="-127"/>
+              <a:ea typeface="여기어때 잘난체 OTF" panose="020B0600000101010101" pitchFamily="34" charset="-127"/>
+            </a:endParaRPr>
+          </a:p>
+          <a:p>
+            <a:r>
+              <a:rPr lang="ko-KR" altLang="en-US" sz="2400">
+                <a:solidFill>
+                  <a:srgbClr val="E7E6EB"/>
+                </a:solidFill>
+                <a:latin typeface="여기어때 잘난체 OTF" panose="020B0600000101010101" pitchFamily="34" charset="-127"/>
+                <a:ea typeface="여기어때 잘난체 OTF" panose="020B0600000101010101" pitchFamily="34" charset="-127"/>
+              </a:rPr>
+              <a:t>친구들</a:t>
+            </a:r>
+          </a:p>
+        </p:txBody>
+      </p:sp>
+      <p:sp>
+        <p:nvSpPr>
+          <p:cNvPr id="6" name="TextBox 5">
+            <a:extLst>
+              <a:ext uri="{FF2B5EF4-FFF2-40B4-BE49-F238E27FC236}">
+                <a16:creationId xmlns:a16="http://schemas.microsoft.com/office/drawing/2014/main" id="{92FF8A34-D9B2-4DA1-9D9F-FFE6932F9CE4}"/>
+              </a:ext>
+            </a:extLst>
+          </p:cNvPr>
+          <p:cNvSpPr txBox="1"/>
+          <p:nvPr/>
+        </p:nvSpPr>
+        <p:spPr>
+          <a:xfrm rot="1200000">
+            <a:off x="6254110" y="2737261"/>
+            <a:ext cx="1446709" cy="830997"/>
+          </a:xfrm>
+          <a:prstGeom prst="rect">
+            <a:avLst/>
+          </a:prstGeom>
+          <a:noFill/>
+        </p:spPr>
+        <p:txBody>
+          <a:bodyPr wrap="square" rtlCol="0">
+            <a:spAutoFit/>
+          </a:bodyPr>
+          <a:lstStyle/>
+          <a:p>
+            <a:r>
+              <a:rPr lang="ko-KR" altLang="en-US" sz="2400">
+                <a:solidFill>
+                  <a:srgbClr val="E7E6EB"/>
+                </a:solidFill>
+                <a:latin typeface="여기어때 잘난체 OTF" panose="020B0600000101010101" pitchFamily="34" charset="-127"/>
+                <a:ea typeface="여기어때 잘난체 OTF" panose="020B0600000101010101" pitchFamily="34" charset="-127"/>
+              </a:rPr>
+              <a:t>남송리</a:t>
+            </a:r>
+            <a:endParaRPr lang="en-US" altLang="ko-KR" sz="2400">
+              <a:solidFill>
+                <a:srgbClr val="E7E6EB"/>
+              </a:solidFill>
+              <a:latin typeface="여기어때 잘난체 OTF" panose="020B0600000101010101" pitchFamily="34" charset="-127"/>
+              <a:ea typeface="여기어때 잘난체 OTF" panose="020B0600000101010101" pitchFamily="34" charset="-127"/>
+            </a:endParaRPr>
+          </a:p>
+          <a:p>
+            <a:r>
+              <a:rPr lang="ko-KR" altLang="en-US" sz="2400">
+                <a:solidFill>
+                  <a:srgbClr val="E7E6EB"/>
+                </a:solidFill>
+                <a:latin typeface="여기어때 잘난체 OTF" panose="020B0600000101010101" pitchFamily="34" charset="-127"/>
+                <a:ea typeface="여기어때 잘난체 OTF" panose="020B0600000101010101" pitchFamily="34" charset="-127"/>
+              </a:rPr>
+              <a:t>삼번지</a:t>
+            </a:r>
+          </a:p>
+        </p:txBody>
+      </p:sp>
+      <p:sp>
+        <p:nvSpPr>
+          <p:cNvPr id="7" name="TextBox 6">
+            <a:extLst>
+              <a:ext uri="{FF2B5EF4-FFF2-40B4-BE49-F238E27FC236}">
+                <a16:creationId xmlns:a16="http://schemas.microsoft.com/office/drawing/2014/main" id="{5C7CAF3B-1931-4685-835A-6D6CF662955E}"/>
+              </a:ext>
+            </a:extLst>
+          </p:cNvPr>
+          <p:cNvSpPr txBox="1"/>
+          <p:nvPr/>
+        </p:nvSpPr>
+        <p:spPr>
+          <a:xfrm rot="1200000">
+            <a:off x="2988454" y="3522383"/>
+            <a:ext cx="1877385" cy="646331"/>
+          </a:xfrm>
+          <a:prstGeom prst="rect">
+            <a:avLst/>
+          </a:prstGeom>
+          <a:noFill/>
+        </p:spPr>
+        <p:txBody>
+          <a:bodyPr wrap="square" rtlCol="0">
+            <a:spAutoFit/>
+          </a:bodyPr>
+          <a:lstStyle/>
+          <a:p>
+            <a:r>
+              <a:rPr lang="en-US" altLang="ko-KR">
+                <a:solidFill>
+                  <a:srgbClr val="E7E6EB"/>
+                </a:solidFill>
+                <a:latin typeface="나눔바른고딕" panose="020B0603020101020101" pitchFamily="50" charset="-127"/>
+                <a:ea typeface="나눔바른고딕" panose="020B0603020101020101" pitchFamily="50" charset="-127"/>
+              </a:rPr>
+              <a:t>Backend</a:t>
+            </a:r>
+          </a:p>
+          <a:p>
+            <a:r>
+              <a:rPr lang="en-US" altLang="ko-KR">
+                <a:solidFill>
+                  <a:srgbClr val="E7E6EB"/>
+                </a:solidFill>
+                <a:latin typeface="나눔바른고딕" panose="020B0603020101020101" pitchFamily="50" charset="-127"/>
+                <a:ea typeface="나눔바른고딕" panose="020B0603020101020101" pitchFamily="50" charset="-127"/>
+              </a:rPr>
+              <a:t>Brave Develper</a:t>
+            </a:r>
+            <a:endParaRPr lang="ko-KR" altLang="en-US">
+              <a:solidFill>
+                <a:srgbClr val="E7E6EB"/>
+              </a:solidFill>
+              <a:latin typeface="나눔바른고딕" panose="020B0603020101020101" pitchFamily="50" charset="-127"/>
+              <a:ea typeface="나눔바른고딕" panose="020B0603020101020101" pitchFamily="50" charset="-127"/>
+            </a:endParaRPr>
+          </a:p>
+        </p:txBody>
+      </p:sp>
+      <p:sp>
+        <p:nvSpPr>
+          <p:cNvPr id="8" name="TextBox 7">
+            <a:extLst>
+              <a:ext uri="{FF2B5EF4-FFF2-40B4-BE49-F238E27FC236}">
+                <a16:creationId xmlns:a16="http://schemas.microsoft.com/office/drawing/2014/main" id="{3FB101D7-6F96-4F35-90F3-3DCB876026A5}"/>
+              </a:ext>
+            </a:extLst>
+          </p:cNvPr>
+          <p:cNvSpPr txBox="1"/>
+          <p:nvPr/>
+        </p:nvSpPr>
+        <p:spPr>
+          <a:xfrm rot="1200000">
+            <a:off x="3172278" y="3143225"/>
+            <a:ext cx="1877385" cy="461665"/>
+          </a:xfrm>
+          <a:prstGeom prst="rect">
+            <a:avLst/>
+          </a:prstGeom>
+          <a:noFill/>
+        </p:spPr>
+        <p:txBody>
+          <a:bodyPr wrap="square" rtlCol="0">
+            <a:spAutoFit/>
+          </a:bodyPr>
+          <a:lstStyle/>
+          <a:p>
+            <a:r>
+              <a:rPr lang="ko-KR" altLang="en-US" sz="2400">
+                <a:solidFill>
+                  <a:srgbClr val="E7E6EB"/>
+                </a:solidFill>
+                <a:latin typeface="나눔스퀘어_ac ExtraBold" panose="020B0600000101010101" pitchFamily="50" charset="-127"/>
+                <a:ea typeface="나눔스퀘어_ac ExtraBold" panose="020B0600000101010101" pitchFamily="50" charset="-127"/>
+              </a:rPr>
+              <a:t>김서버</a:t>
+            </a:r>
+          </a:p>
+        </p:txBody>
+      </p:sp>
+      <p:sp>
+        <p:nvSpPr>
+          <p:cNvPr id="9" name="TextBox 8">
+            <a:extLst>
+              <a:ext uri="{FF2B5EF4-FFF2-40B4-BE49-F238E27FC236}">
+                <a16:creationId xmlns:a16="http://schemas.microsoft.com/office/drawing/2014/main" id="{3370335D-A71A-4593-863E-8757322B1F06}"/>
+              </a:ext>
+            </a:extLst>
+          </p:cNvPr>
+          <p:cNvSpPr txBox="1"/>
+          <p:nvPr/>
+        </p:nvSpPr>
+        <p:spPr>
+          <a:xfrm rot="1200000">
+            <a:off x="3921360" y="3313178"/>
+            <a:ext cx="376201" cy="461665"/>
+          </a:xfrm>
+          <a:prstGeom prst="rect">
+            <a:avLst/>
+          </a:prstGeom>
+          <a:noFill/>
+        </p:spPr>
+        <p:txBody>
+          <a:bodyPr wrap="square" rtlCol="0">
+            <a:spAutoFit/>
+          </a:bodyPr>
+          <a:lstStyle/>
+          <a:p>
+            <a:r>
+              <a:rPr lang="en-US" altLang="ko-KR" sz="2400">
+                <a:solidFill>
+                  <a:srgbClr val="E7E6EB"/>
+                </a:solidFill>
+                <a:latin typeface="나눔스퀘어_ac ExtraBold" panose="020B0600000101010101" pitchFamily="50" charset="-127"/>
+                <a:ea typeface="나눔스퀘어_ac ExtraBold" panose="020B0600000101010101" pitchFamily="50" charset="-127"/>
+              </a:rPr>
+              <a:t>*</a:t>
+            </a:r>
+            <a:endParaRPr lang="ko-KR" altLang="en-US" sz="2400">
+              <a:solidFill>
+                <a:srgbClr val="E7E6EB"/>
+              </a:solidFill>
+              <a:latin typeface="나눔스퀘어_ac ExtraBold" panose="020B0600000101010101" pitchFamily="50" charset="-127"/>
+              <a:ea typeface="나눔스퀘어_ac ExtraBold" panose="020B0600000101010101" pitchFamily="50" charset="-127"/>
+            </a:endParaRPr>
+          </a:p>
+        </p:txBody>
+      </p:sp>
+      <p:sp>
+        <p:nvSpPr>
+          <p:cNvPr id="10" name="TextBox 9">
+            <a:extLst>
+              <a:ext uri="{FF2B5EF4-FFF2-40B4-BE49-F238E27FC236}">
+                <a16:creationId xmlns:a16="http://schemas.microsoft.com/office/drawing/2014/main" id="{C4C87AD7-978C-49F8-BFDC-2A0DEA1BBECF}"/>
+              </a:ext>
+            </a:extLst>
+          </p:cNvPr>
+          <p:cNvSpPr txBox="1"/>
+          <p:nvPr/>
+        </p:nvSpPr>
+        <p:spPr>
+          <a:xfrm rot="1200000">
+            <a:off x="2820585" y="4133809"/>
+            <a:ext cx="2381606" cy="369332"/>
+          </a:xfrm>
+          <a:prstGeom prst="rect">
+            <a:avLst/>
+          </a:prstGeom>
+          <a:noFill/>
+        </p:spPr>
+        <p:txBody>
+          <a:bodyPr wrap="square" rtlCol="0">
+            <a:spAutoFit/>
+          </a:bodyPr>
+          <a:lstStyle/>
+          <a:p>
+            <a:r>
+              <a:rPr lang="en-US" altLang="ko-KR" sz="900">
+                <a:solidFill>
+                  <a:srgbClr val="94B5D6"/>
+                </a:solidFill>
+                <a:latin typeface="나눔바른고딕" panose="020B0603020101020101" pitchFamily="50" charset="-127"/>
+                <a:ea typeface="나눔바른고딕" panose="020B0603020101020101" pitchFamily="50" charset="-127"/>
+              </a:rPr>
+              <a:t>Namsong-ri 3(HGU) Pohang</a:t>
+            </a:r>
+          </a:p>
+          <a:p>
+            <a:r>
+              <a:rPr lang="en-US" altLang="ko-KR" sz="900">
+                <a:solidFill>
+                  <a:srgbClr val="94B5D6"/>
+                </a:solidFill>
+                <a:latin typeface="나눔바른고딕" panose="020B0603020101020101" pitchFamily="50" charset="-127"/>
+                <a:ea typeface="나눔바른고딕" panose="020B0603020101020101" pitchFamily="50" charset="-127"/>
+              </a:rPr>
+              <a:t>github.com/brave-people</a:t>
+            </a:r>
+            <a:endParaRPr lang="ko-KR" altLang="en-US" sz="900">
+              <a:solidFill>
+                <a:srgbClr val="94B5D6"/>
+              </a:solidFill>
+              <a:latin typeface="나눔바른고딕" panose="020B0603020101020101" pitchFamily="50" charset="-127"/>
+              <a:ea typeface="나눔바른고딕" panose="020B0603020101020101" pitchFamily="50" charset="-127"/>
+            </a:endParaRPr>
+          </a:p>
+        </p:txBody>
+      </p:sp>
+      <p:sp>
+        <p:nvSpPr>
+          <p:cNvPr id="11" name="TextBox 10">
+            <a:extLst>
+              <a:ext uri="{FF2B5EF4-FFF2-40B4-BE49-F238E27FC236}">
+                <a16:creationId xmlns:a16="http://schemas.microsoft.com/office/drawing/2014/main" id="{1A901346-4D00-45A6-9175-18C62710CD08}"/>
+              </a:ext>
+            </a:extLst>
+          </p:cNvPr>
+          <p:cNvSpPr txBox="1"/>
+          <p:nvPr/>
+        </p:nvSpPr>
+        <p:spPr>
+          <a:xfrm rot="1200000">
+            <a:off x="5411828" y="5063508"/>
+            <a:ext cx="1877385" cy="646331"/>
+          </a:xfrm>
+          <a:prstGeom prst="rect">
+            <a:avLst/>
+          </a:prstGeom>
+          <a:noFill/>
+        </p:spPr>
+        <p:txBody>
+          <a:bodyPr wrap="square" rtlCol="0">
+            <a:spAutoFit/>
+          </a:bodyPr>
+          <a:lstStyle/>
+          <a:p>
+            <a:r>
+              <a:rPr lang="en-US" altLang="ko-KR">
+                <a:solidFill>
+                  <a:srgbClr val="E7E6EB"/>
+                </a:solidFill>
+                <a:latin typeface="나눔바른고딕" panose="020B0603020101020101" pitchFamily="50" charset="-127"/>
+                <a:ea typeface="나눔바른고딕" panose="020B0603020101020101" pitchFamily="50" charset="-127"/>
+              </a:rPr>
+              <a:t>Frontend</a:t>
+            </a:r>
+          </a:p>
+          <a:p>
+            <a:r>
+              <a:rPr lang="en-US" altLang="ko-KR">
+                <a:solidFill>
+                  <a:srgbClr val="E7E6EB"/>
+                </a:solidFill>
+                <a:latin typeface="나눔바른고딕" panose="020B0603020101020101" pitchFamily="50" charset="-127"/>
+                <a:ea typeface="나눔바른고딕" panose="020B0603020101020101" pitchFamily="50" charset="-127"/>
+              </a:rPr>
+              <a:t>Brave Develper</a:t>
+            </a:r>
+            <a:endParaRPr lang="ko-KR" altLang="en-US">
+              <a:solidFill>
+                <a:srgbClr val="E7E6EB"/>
+              </a:solidFill>
+              <a:latin typeface="나눔바른고딕" panose="020B0603020101020101" pitchFamily="50" charset="-127"/>
+              <a:ea typeface="나눔바른고딕" panose="020B0603020101020101" pitchFamily="50" charset="-127"/>
+            </a:endParaRPr>
+          </a:p>
+        </p:txBody>
+      </p:sp>
+      <p:sp>
+        <p:nvSpPr>
+          <p:cNvPr id="12" name="TextBox 11">
+            <a:extLst>
+              <a:ext uri="{FF2B5EF4-FFF2-40B4-BE49-F238E27FC236}">
+                <a16:creationId xmlns:a16="http://schemas.microsoft.com/office/drawing/2014/main" id="{C2F1A76A-7EEE-495C-832E-6BE94C2393D3}"/>
+              </a:ext>
+            </a:extLst>
+          </p:cNvPr>
+          <p:cNvSpPr txBox="1"/>
+          <p:nvPr/>
+        </p:nvSpPr>
+        <p:spPr>
+          <a:xfrm rot="1200000">
+            <a:off x="5595652" y="4684350"/>
+            <a:ext cx="1877385" cy="461665"/>
+          </a:xfrm>
+          <a:prstGeom prst="rect">
+            <a:avLst/>
+          </a:prstGeom>
+          <a:noFill/>
+        </p:spPr>
+        <p:txBody>
+          <a:bodyPr wrap="square" rtlCol="0">
+            <a:spAutoFit/>
+          </a:bodyPr>
+          <a:lstStyle/>
+          <a:p>
+            <a:r>
+              <a:rPr lang="ko-KR" altLang="en-US" sz="2400">
+                <a:solidFill>
+                  <a:srgbClr val="E7E6EB"/>
+                </a:solidFill>
+                <a:latin typeface="나눔스퀘어_ac ExtraBold" panose="020B0600000101010101" pitchFamily="50" charset="-127"/>
+                <a:ea typeface="나눔스퀘어_ac ExtraBold" panose="020B0600000101010101" pitchFamily="50" charset="-127"/>
+              </a:rPr>
+              <a:t>한동이</a:t>
+            </a:r>
+          </a:p>
+        </p:txBody>
+      </p:sp>
+      <p:sp>
+        <p:nvSpPr>
+          <p:cNvPr id="13" name="TextBox 12">
+            <a:extLst>
+              <a:ext uri="{FF2B5EF4-FFF2-40B4-BE49-F238E27FC236}">
+                <a16:creationId xmlns:a16="http://schemas.microsoft.com/office/drawing/2014/main" id="{9EC6CE59-6CBD-48CB-97D3-EC75F034158D}"/>
+              </a:ext>
+            </a:extLst>
+          </p:cNvPr>
+          <p:cNvSpPr txBox="1"/>
+          <p:nvPr/>
+        </p:nvSpPr>
+        <p:spPr>
+          <a:xfrm rot="1200000">
+            <a:off x="6344734" y="4854303"/>
+            <a:ext cx="376201" cy="461665"/>
+          </a:xfrm>
+          <a:prstGeom prst="rect">
+            <a:avLst/>
+          </a:prstGeom>
+          <a:noFill/>
+        </p:spPr>
+        <p:txBody>
+          <a:bodyPr wrap="square" rtlCol="0">
+            <a:spAutoFit/>
+          </a:bodyPr>
+          <a:lstStyle/>
+          <a:p>
+            <a:r>
+              <a:rPr lang="en-US" altLang="ko-KR" sz="2400">
+                <a:solidFill>
+                  <a:srgbClr val="E7E6EB"/>
+                </a:solidFill>
+                <a:latin typeface="나눔스퀘어_ac ExtraBold" panose="020B0600000101010101" pitchFamily="50" charset="-127"/>
+                <a:ea typeface="나눔스퀘어_ac ExtraBold" panose="020B0600000101010101" pitchFamily="50" charset="-127"/>
+              </a:rPr>
+              <a:t>*</a:t>
+            </a:r>
+            <a:endParaRPr lang="ko-KR" altLang="en-US" sz="2400">
+              <a:solidFill>
+                <a:srgbClr val="E7E6EB"/>
+              </a:solidFill>
+              <a:latin typeface="나눔스퀘어_ac ExtraBold" panose="020B0600000101010101" pitchFamily="50" charset="-127"/>
+              <a:ea typeface="나눔스퀘어_ac ExtraBold" panose="020B0600000101010101" pitchFamily="50" charset="-127"/>
+            </a:endParaRPr>
+          </a:p>
+        </p:txBody>
+      </p:sp>
+      <p:sp>
+        <p:nvSpPr>
+          <p:cNvPr id="14" name="TextBox 13">
+            <a:extLst>
+              <a:ext uri="{FF2B5EF4-FFF2-40B4-BE49-F238E27FC236}">
+                <a16:creationId xmlns:a16="http://schemas.microsoft.com/office/drawing/2014/main" id="{96986823-EF8D-45D6-9CAC-20CC4A0B45C2}"/>
+              </a:ext>
+            </a:extLst>
+          </p:cNvPr>
+          <p:cNvSpPr txBox="1"/>
+          <p:nvPr/>
+        </p:nvSpPr>
+        <p:spPr>
+          <a:xfrm rot="1200000">
+            <a:off x="5243959" y="5674934"/>
+            <a:ext cx="2381606" cy="369332"/>
+          </a:xfrm>
+          <a:prstGeom prst="rect">
+            <a:avLst/>
+          </a:prstGeom>
+          <a:noFill/>
+        </p:spPr>
+        <p:txBody>
+          <a:bodyPr wrap="square" rtlCol="0">
+            <a:spAutoFit/>
+          </a:bodyPr>
+          <a:lstStyle/>
+          <a:p>
+            <a:r>
+              <a:rPr lang="en-US" altLang="ko-KR" sz="900">
+                <a:solidFill>
+                  <a:srgbClr val="94B5D6"/>
+                </a:solidFill>
+                <a:latin typeface="나눔바른고딕" panose="020B0603020101020101" pitchFamily="50" charset="-127"/>
+                <a:ea typeface="나눔바른고딕" panose="020B0603020101020101" pitchFamily="50" charset="-127"/>
+              </a:rPr>
+              <a:t>Namsong-ri 3 (HGU) Pohang</a:t>
+            </a:r>
+          </a:p>
+          <a:p>
+            <a:r>
+              <a:rPr lang="en-US" altLang="ko-KR" sz="900">
+                <a:solidFill>
+                  <a:srgbClr val="94B5D6"/>
+                </a:solidFill>
+                <a:latin typeface="나눔바른고딕" panose="020B0603020101020101" pitchFamily="50" charset="-127"/>
+                <a:ea typeface="나눔바른고딕" panose="020B0603020101020101" pitchFamily="50" charset="-127"/>
+              </a:rPr>
+              <a:t>github.com/brave-people</a:t>
+            </a:r>
+            <a:endParaRPr lang="ko-KR" altLang="en-US" sz="900">
+              <a:solidFill>
+                <a:srgbClr val="94B5D6"/>
+              </a:solidFill>
+              <a:latin typeface="나눔바른고딕" panose="020B0603020101020101" pitchFamily="50" charset="-127"/>
+              <a:ea typeface="나눔바른고딕" panose="020B0603020101020101" pitchFamily="50" charset="-127"/>
+            </a:endParaRPr>
+          </a:p>
+        </p:txBody>
+      </p:sp>
+    </p:spTree>
+    <p:extLst>
+      <p:ext uri="{BB962C8B-B14F-4D97-AF65-F5344CB8AC3E}">
+        <p14:creationId xmlns:p14="http://schemas.microsoft.com/office/powerpoint/2010/main" val="850069143"/>
+      </p:ext>
+    </p:extLst>
+  </p:cSld>
+  <p:clrMapOvr>
+    <a:masterClrMapping/>
+  </p:clrMapOvr>
+</p:sld>
+</file>
+
 <file path=ppt/theme/theme1.xml><?xml version="1.0" encoding="utf-8"?>
 <a:theme xmlns:a="http://schemas.openxmlformats.org/drawingml/2006/main" name="TornVTI">
   <a:themeElements>
